--- a/Team-1.pptx
+++ b/Team-1.pptx
@@ -112,6 +112,11 @@
       </a:defRPr>
     </a:lvl9pPr>
   </p:defaultTextStyle>
+  <p:extLst>
+    <p:ext uri="{EFAFB233-063F-42B5-8137-9DF3F51BA10A}">
+      <p15:sldGuideLst xmlns:p15="http://schemas.microsoft.com/office/powerpoint/2012/main"/>
+    </p:ext>
+  </p:extLst>
 </p:presentation>
 </file>
 
@@ -4607,6 +4612,12 @@
           <a:p>
             <a:r>
               <a:rPr lang="en-US" sz="1600" dirty="0"/>
+              <a:t>Camel case style</a:t>
+            </a:r>
+          </a:p>
+          <a:p>
+            <a:r>
+              <a:rPr lang="en-US" sz="1600" dirty="0"/>
               <a:t>Comments in code are used on a as needed basis for inside methods</a:t>
             </a:r>
           </a:p>

--- a/Team-1.pptx
+++ b/Team-1.pptx
@@ -3954,13 +3954,18 @@
           <a:p>
             <a:r>
               <a:rPr lang="en-US" dirty="0"/>
-              <a:t>Alex</a:t>
-            </a:r>
+              <a:t>Alex </a:t>
+            </a:r>
+            <a:r>
+              <a:rPr lang="en-US" dirty="0" err="1"/>
+              <a:t>Wimer</a:t>
+            </a:r>
+            <a:endParaRPr lang="en-US" dirty="0"/>
           </a:p>
           <a:p>
             <a:r>
               <a:rPr lang="en-US" dirty="0"/>
-              <a:t>Conner</a:t>
+              <a:t>Connor Mahaffey</a:t>
             </a:r>
           </a:p>
           <a:p>

--- a/Team-1.pptx
+++ b/Team-1.pptx
@@ -293,7 +293,7 @@
           <a:p>
             <a:fld id="{FCDC2374-6BDA-4A72-89B3-8AEF50971151}" type="datetimeFigureOut">
               <a:rPr lang="en-US" smtClean="0"/>
-              <a:t>12/3/2017</a:t>
+              <a:t>12/4/2017</a:t>
             </a:fld>
             <a:endParaRPr lang="en-US"/>
           </a:p>
@@ -623,7 +623,7 @@
           <a:p>
             <a:fld id="{FCDC2374-6BDA-4A72-89B3-8AEF50971151}" type="datetimeFigureOut">
               <a:rPr lang="en-US" smtClean="0"/>
-              <a:t>12/3/2017</a:t>
+              <a:t>12/4/2017</a:t>
             </a:fld>
             <a:endParaRPr lang="en-US"/>
           </a:p>
@@ -803,7 +803,7 @@
           <a:p>
             <a:fld id="{FCDC2374-6BDA-4A72-89B3-8AEF50971151}" type="datetimeFigureOut">
               <a:rPr lang="en-US" smtClean="0"/>
-              <a:t>12/3/2017</a:t>
+              <a:t>12/4/2017</a:t>
             </a:fld>
             <a:endParaRPr lang="en-US"/>
           </a:p>
@@ -973,7 +973,7 @@
           <a:p>
             <a:fld id="{FCDC2374-6BDA-4A72-89B3-8AEF50971151}" type="datetimeFigureOut">
               <a:rPr lang="en-US" smtClean="0"/>
-              <a:t>12/3/2017</a:t>
+              <a:t>12/4/2017</a:t>
             </a:fld>
             <a:endParaRPr lang="en-US"/>
           </a:p>
@@ -1250,7 +1250,7 @@
           <a:p>
             <a:fld id="{FCDC2374-6BDA-4A72-89B3-8AEF50971151}" type="datetimeFigureOut">
               <a:rPr lang="en-US" smtClean="0"/>
-              <a:t>12/3/2017</a:t>
+              <a:t>12/4/2017</a:t>
             </a:fld>
             <a:endParaRPr lang="en-US"/>
           </a:p>
@@ -1644,7 +1644,7 @@
           <a:p>
             <a:fld id="{FCDC2374-6BDA-4A72-89B3-8AEF50971151}" type="datetimeFigureOut">
               <a:rPr lang="en-US" smtClean="0"/>
-              <a:t>12/3/2017</a:t>
+              <a:t>12/4/2017</a:t>
             </a:fld>
             <a:endParaRPr lang="en-US"/>
           </a:p>
@@ -2121,7 +2121,7 @@
           <a:p>
             <a:fld id="{FCDC2374-6BDA-4A72-89B3-8AEF50971151}" type="datetimeFigureOut">
               <a:rPr lang="en-US" smtClean="0"/>
-              <a:t>12/3/2017</a:t>
+              <a:t>12/4/2017</a:t>
             </a:fld>
             <a:endParaRPr lang="en-US"/>
           </a:p>
@@ -2239,7 +2239,7 @@
           <a:p>
             <a:fld id="{FCDC2374-6BDA-4A72-89B3-8AEF50971151}" type="datetimeFigureOut">
               <a:rPr lang="en-US" smtClean="0"/>
-              <a:t>12/3/2017</a:t>
+              <a:t>12/4/2017</a:t>
             </a:fld>
             <a:endParaRPr lang="en-US"/>
           </a:p>
@@ -2334,7 +2334,7 @@
           <a:p>
             <a:fld id="{FCDC2374-6BDA-4A72-89B3-8AEF50971151}" type="datetimeFigureOut">
               <a:rPr lang="en-US" smtClean="0"/>
-              <a:t>12/3/2017</a:t>
+              <a:t>12/4/2017</a:t>
             </a:fld>
             <a:endParaRPr lang="en-US"/>
           </a:p>
@@ -2680,7 +2680,7 @@
           <a:p>
             <a:fld id="{FCDC2374-6BDA-4A72-89B3-8AEF50971151}" type="datetimeFigureOut">
               <a:rPr lang="en-US" smtClean="0"/>
-              <a:t>12/3/2017</a:t>
+              <a:t>12/4/2017</a:t>
             </a:fld>
             <a:endParaRPr lang="en-US"/>
           </a:p>
@@ -3068,7 +3068,7 @@
           <a:p>
             <a:fld id="{FCDC2374-6BDA-4A72-89B3-8AEF50971151}" type="datetimeFigureOut">
               <a:rPr lang="en-US" smtClean="0"/>
-              <a:t>12/3/2017</a:t>
+              <a:t>12/4/2017</a:t>
             </a:fld>
             <a:endParaRPr lang="en-US"/>
           </a:p>
@@ -3346,7 +3346,7 @@
           <a:p>
             <a:fld id="{FCDC2374-6BDA-4A72-89B3-8AEF50971151}" type="datetimeFigureOut">
               <a:rPr lang="en-US" smtClean="0"/>
-              <a:t>12/3/2017</a:t>
+              <a:t>12/4/2017</a:t>
             </a:fld>
             <a:endParaRPr lang="en-US"/>
           </a:p>
@@ -4101,12 +4101,6 @@
           <a:p>
             <a:r>
               <a:rPr lang="en-US" dirty="0"/>
-              <a:t>Delete event</a:t>
-            </a:r>
-          </a:p>
-          <a:p>
-            <a:r>
-              <a:rPr lang="en-US" dirty="0"/>
               <a:t>Add event</a:t>
             </a:r>
           </a:p>
@@ -4156,6 +4150,12 @@
             <a:r>
               <a:rPr lang="en-US" dirty="0"/>
               <a:t>Change occurrence</a:t>
+            </a:r>
+          </a:p>
+          <a:p>
+            <a:r>
+              <a:rPr lang="en-US" dirty="0"/>
+              <a:t>Delete event</a:t>
             </a:r>
           </a:p>
           <a:p>
@@ -4579,13 +4579,13 @@
         </p:nvSpPr>
         <p:spPr>
           <a:xfrm>
-            <a:off x="751840" y="1229361"/>
+            <a:off x="751840" y="1154140"/>
             <a:ext cx="3174743" cy="5628639"/>
           </a:xfrm>
         </p:spPr>
         <p:txBody>
           <a:bodyPr>
-            <a:normAutofit/>
+            <a:normAutofit lnSpcReduction="10000"/>
           </a:bodyPr>
           <a:lstStyle/>
           <a:p>
@@ -4610,40 +4610,40 @@
           </a:p>
           <a:p>
             <a:r>
-              <a:rPr lang="en-US" sz="1600" dirty="0"/>
+              <a:rPr lang="en-US" sz="1800" dirty="0"/>
               <a:t>We tried to stick to the code convention linked above for oracle</a:t>
             </a:r>
           </a:p>
           <a:p>
             <a:r>
-              <a:rPr lang="en-US" sz="1600" dirty="0"/>
+              <a:rPr lang="en-US" sz="1800" dirty="0"/>
               <a:t>Camel case style</a:t>
             </a:r>
           </a:p>
           <a:p>
             <a:r>
-              <a:rPr lang="en-US" sz="1600" dirty="0"/>
+              <a:rPr lang="en-US" sz="1800" dirty="0"/>
               <a:t>Comments in code are used on a as needed basis for inside methods</a:t>
             </a:r>
           </a:p>
           <a:p>
             <a:pPr lvl="1"/>
             <a:r>
-              <a:rPr lang="en-US" sz="1600" dirty="0"/>
+              <a:rPr lang="en-US" sz="1800" dirty="0"/>
               <a:t>Methods should all be commented on for use in Java Docs</a:t>
             </a:r>
           </a:p>
           <a:p>
             <a:pPr lvl="1"/>
             <a:r>
-              <a:rPr lang="en-US" sz="1600" dirty="0"/>
+              <a:rPr lang="en-US" sz="1800" dirty="0"/>
               <a:t>Statements that need clarification or more guidance </a:t>
             </a:r>
           </a:p>
           <a:p>
             <a:pPr lvl="1"/>
             <a:r>
-              <a:rPr lang="en-US" sz="1600" dirty="0"/>
+              <a:rPr lang="en-US" sz="1800" dirty="0"/>
               <a:t>Classes should all be commented on for use in Java Docs</a:t>
             </a:r>
           </a:p>
@@ -4725,7 +4725,12 @@
             <p:ph type="title"/>
           </p:nvPr>
         </p:nvSpPr>
-        <p:spPr/>
+        <p:spPr>
+          <a:xfrm>
+            <a:off x="1371600" y="685800"/>
+            <a:ext cx="9601200" cy="951089"/>
+          </a:xfrm>
+        </p:spPr>
         <p:txBody>
           <a:bodyPr/>
           <a:lstStyle/>
@@ -4738,6 +4743,93 @@
           </a:p>
         </p:txBody>
       </p:sp>
+      <p:sp>
+        <p:nvSpPr>
+          <p:cNvPr id="4" name="TextBox 3">
+            <a:extLst>
+              <a:ext uri="{FF2B5EF4-FFF2-40B4-BE49-F238E27FC236}">
+                <a16:creationId xmlns:a16="http://schemas.microsoft.com/office/drawing/2014/main" id="{B0BB446F-2C46-4997-B990-163440A2584E}"/>
+              </a:ext>
+            </a:extLst>
+          </p:cNvPr>
+          <p:cNvSpPr txBox="1"/>
+          <p:nvPr/>
+        </p:nvSpPr>
+        <p:spPr>
+          <a:xfrm>
+            <a:off x="1258139" y="1676655"/>
+            <a:ext cx="3360160" cy="1631216"/>
+          </a:xfrm>
+          <a:prstGeom prst="rect">
+            <a:avLst/>
+          </a:prstGeom>
+          <a:noFill/>
+        </p:spPr>
+        <p:txBody>
+          <a:bodyPr wrap="square" rtlCol="0">
+            <a:spAutoFit/>
+          </a:bodyPr>
+          <a:lstStyle/>
+          <a:p>
+            <a:r>
+              <a:rPr lang="en-US" sz="2000" dirty="0"/>
+              <a:t>Adapter Pattern</a:t>
+            </a:r>
+          </a:p>
+          <a:p>
+            <a:pPr marL="342900" indent="-342900">
+              <a:buFont typeface="Arial" panose="020B0604020202020204" pitchFamily="34" charset="0"/>
+              <a:buChar char="•"/>
+            </a:pPr>
+            <a:r>
+              <a:rPr lang="en-US" sz="2000" dirty="0" err="1"/>
+              <a:t>EventView</a:t>
+            </a:r>
+            <a:r>
+              <a:rPr lang="en-US" sz="2000" dirty="0"/>
+              <a:t> adapts </a:t>
+            </a:r>
+            <a:r>
+              <a:rPr lang="en-US" sz="2000" dirty="0" err="1"/>
+              <a:t>AppCompatActivity</a:t>
+            </a:r>
+            <a:r>
+              <a:rPr lang="en-US" sz="2000" dirty="0"/>
+              <a:t> to give the database a usable interface</a:t>
+            </a:r>
+          </a:p>
+        </p:txBody>
+      </p:sp>
+      <p:pic>
+        <p:nvPicPr>
+          <p:cNvPr id="5" name="Picture 4">
+            <a:extLst>
+              <a:ext uri="{FF2B5EF4-FFF2-40B4-BE49-F238E27FC236}">
+                <a16:creationId xmlns:a16="http://schemas.microsoft.com/office/drawing/2014/main" id="{1A6833FA-5FB2-48C3-B250-5334515213D9}"/>
+              </a:ext>
+            </a:extLst>
+          </p:cNvPr>
+          <p:cNvPicPr>
+            <a:picLocks noChangeAspect="1"/>
+          </p:cNvPicPr>
+          <p:nvPr/>
+        </p:nvPicPr>
+        <p:blipFill>
+          <a:blip r:embed="rId2"/>
+          <a:stretch>
+            <a:fillRect/>
+          </a:stretch>
+        </p:blipFill>
+        <p:spPr>
+          <a:xfrm>
+            <a:off x="4723255" y="1433452"/>
+            <a:ext cx="6955602" cy="5316336"/>
+          </a:xfrm>
+          <a:prstGeom prst="rect">
+            <a:avLst/>
+          </a:prstGeom>
+        </p:spPr>
+      </p:pic>
     </p:spTree>
     <p:extLst>
       <p:ext uri="{BB962C8B-B14F-4D97-AF65-F5344CB8AC3E}">
